--- a/Report/Presentation.pptx
+++ b/Report/Presentation.pptx
@@ -4919,6 +4919,67 @@
 </file>
 
 <file path=ppt/notesSlides/notesSlide8.xml><?xml version="1.0" encoding="utf-8"?>
+<p:notes xmlns:a="http://schemas.openxmlformats.org/drawingml/2006/main" xmlns:r="http://schemas.openxmlformats.org/officeDocument/2006/relationships" xmlns:p="http://schemas.openxmlformats.org/presentationml/2006/main">
+  <p:cSld>
+    <p:spTree>
+      <p:nvGrpSpPr>
+        <p:cNvPr id="1" name=""/>
+        <p:cNvGrpSpPr/>
+        <p:nvPr/>
+      </p:nvGrpSpPr>
+      <p:grpSpPr>
+        <a:xfrm>
+          <a:off x="0" y="0"/>
+          <a:ext cx="0" cy="0"/>
+          <a:chOff x="0" y="0"/>
+          <a:chExt cx="0" cy="0"/>
+        </a:xfrm>
+      </p:grpSpPr>
+      <p:sp>
+        <p:nvSpPr>
+          <p:cNvPr id="2" name="Θέση εικόνας διαφάνειας 1"/>
+          <p:cNvSpPr>
+            <a:spLocks noGrp="1" noRot="1" noChangeAspect="1"/>
+          </p:cNvSpPr>
+          <p:nvPr>
+            <p:ph type="sldImg"/>
+          </p:nvPr>
+        </p:nvSpPr>
+        <p:spPr/>
+      </p:sp>
+      <p:sp>
+        <p:nvSpPr>
+          <p:cNvPr id="3" name="Θέση σημειώσεων 2"/>
+          <p:cNvSpPr>
+            <a:spLocks noGrp="1"/>
+          </p:cNvSpPr>
+          <p:nvPr>
+            <p:ph type="body" idx="1"/>
+          </p:nvPr>
+        </p:nvSpPr>
+        <p:spPr/>
+        <p:txBody>
+          <a:bodyPr/>
+          <a:lstStyle/>
+          <a:p>
+            <a:endParaRPr lang="el-GR" dirty="0"/>
+          </a:p>
+        </p:txBody>
+      </p:sp>
+    </p:spTree>
+    <p:extLst>
+      <p:ext uri="{BB962C8B-B14F-4D97-AF65-F5344CB8AC3E}">
+        <p14:creationId xmlns:p14="http://schemas.microsoft.com/office/powerpoint/2010/main" val="3546382965"/>
+      </p:ext>
+    </p:extLst>
+  </p:cSld>
+  <p:clrMapOvr>
+    <a:masterClrMapping/>
+  </p:clrMapOvr>
+</p:notes>
+</file>
+
+<file path=ppt/notesSlides/notesSlide9.xml><?xml version="1.0" encoding="utf-8"?>
 <p:notes xmlns:a="http://schemas.openxmlformats.org/drawingml/2006/main" xmlns:r="http://schemas.openxmlformats.org/officeDocument/2006/relationships" xmlns:p="http://schemas.openxmlformats.org/presentationml/2006/main" showMasterSp="0" showMasterPhAnim="0">
   <p:cSld>
     <p:spTree>
@@ -36291,6 +36352,52 @@
           </a:prstGeom>
         </p:spPr>
       </p:pic>
+      <p:sp>
+        <p:nvSpPr>
+          <p:cNvPr id="3" name="TextBox 2">
+            <a:extLst>
+              <a:ext uri="{FF2B5EF4-FFF2-40B4-BE49-F238E27FC236}">
+                <a16:creationId xmlns:a16="http://schemas.microsoft.com/office/drawing/2014/main" id="{4414CE4F-6C5D-EF40-05A8-F51805562DEA}"/>
+              </a:ext>
+            </a:extLst>
+          </p:cNvPr>
+          <p:cNvSpPr txBox="1"/>
+          <p:nvPr/>
+        </p:nvSpPr>
+        <p:spPr>
+          <a:xfrm>
+            <a:off x="4892040" y="4195611"/>
+            <a:ext cx="3604260" cy="276999"/>
+          </a:xfrm>
+          <a:prstGeom prst="rect">
+            <a:avLst/>
+          </a:prstGeom>
+          <a:noFill/>
+        </p:spPr>
+        <p:txBody>
+          <a:bodyPr wrap="square" rtlCol="0">
+            <a:spAutoFit/>
+          </a:bodyPr>
+          <a:lstStyle/>
+          <a:p>
+            <a:pPr algn="ctr"/>
+            <a:r>
+              <a:rPr lang="en-US" sz="1200" dirty="0">
+                <a:solidFill>
+                  <a:schemeClr val="bg1"/>
+                </a:solidFill>
+                <a:latin typeface="Montserrat" panose="00000500000000000000" pitchFamily="2" charset="0"/>
+              </a:rPr>
+              <a:t>Note: Sample set consists of 3499 samples.</a:t>
+            </a:r>
+            <a:endParaRPr lang="el-GR" sz="1200" dirty="0">
+              <a:solidFill>
+                <a:schemeClr val="bg1"/>
+              </a:solidFill>
+            </a:endParaRPr>
+          </a:p>
+        </p:txBody>
+      </p:sp>
     </p:spTree>
     <p:extLst>
       <p:ext uri="{BB962C8B-B14F-4D97-AF65-F5344CB8AC3E}">
@@ -36986,7 +37093,7 @@
           <p:nvPr/>
         </p:nvPicPr>
         <p:blipFill>
-          <a:blip r:embed="rId2"/>
+          <a:blip r:embed="rId3"/>
           <a:srcRect/>
           <a:stretch/>
         </p:blipFill>
@@ -37015,7 +37122,7 @@
           <p:nvPr/>
         </p:nvPicPr>
         <p:blipFill>
-          <a:blip r:embed="rId3"/>
+          <a:blip r:embed="rId4"/>
           <a:srcRect/>
           <a:stretch/>
         </p:blipFill>
@@ -37029,6 +37136,52 @@
           </a:prstGeom>
         </p:spPr>
       </p:pic>
+      <p:sp>
+        <p:nvSpPr>
+          <p:cNvPr id="3" name="TextBox 2">
+            <a:extLst>
+              <a:ext uri="{FF2B5EF4-FFF2-40B4-BE49-F238E27FC236}">
+                <a16:creationId xmlns:a16="http://schemas.microsoft.com/office/drawing/2014/main" id="{1657872F-2B43-9951-746F-1314F54B9423}"/>
+              </a:ext>
+            </a:extLst>
+          </p:cNvPr>
+          <p:cNvSpPr txBox="1"/>
+          <p:nvPr/>
+        </p:nvSpPr>
+        <p:spPr>
+          <a:xfrm>
+            <a:off x="4892040" y="4195611"/>
+            <a:ext cx="3604260" cy="276999"/>
+          </a:xfrm>
+          <a:prstGeom prst="rect">
+            <a:avLst/>
+          </a:prstGeom>
+          <a:noFill/>
+        </p:spPr>
+        <p:txBody>
+          <a:bodyPr wrap="square" rtlCol="0">
+            <a:spAutoFit/>
+          </a:bodyPr>
+          <a:lstStyle/>
+          <a:p>
+            <a:pPr algn="ctr"/>
+            <a:r>
+              <a:rPr lang="en-US" sz="1200" dirty="0">
+                <a:solidFill>
+                  <a:schemeClr val="bg1"/>
+                </a:solidFill>
+                <a:latin typeface="Montserrat" panose="00000500000000000000" pitchFamily="2" charset="0"/>
+              </a:rPr>
+              <a:t>Note: Sample set consists of 3499 samples.</a:t>
+            </a:r>
+            <a:endParaRPr lang="el-GR" sz="1200" dirty="0">
+              <a:solidFill>
+                <a:schemeClr val="bg1"/>
+              </a:solidFill>
+            </a:endParaRPr>
+          </a:p>
+        </p:txBody>
+      </p:sp>
     </p:spTree>
     <p:extLst>
       <p:ext uri="{BB962C8B-B14F-4D97-AF65-F5344CB8AC3E}">
@@ -37782,7 +37935,7 @@
         <p:spPr>
           <a:xfrm>
             <a:off x="4892040" y="4195611"/>
-            <a:ext cx="3604260" cy="461665"/>
+            <a:ext cx="3604260" cy="646331"/>
           </a:xfrm>
           <a:prstGeom prst="rect">
             <a:avLst/>
@@ -37803,7 +37956,7 @@
                 </a:solidFill>
                 <a:latin typeface="Montserrat" panose="00000500000000000000" pitchFamily="2" charset="0"/>
               </a:rPr>
-              <a:t>Note: Latency per sample of 30</a:t>
+              <a:t>Note: Sample set consists of 3499 samples. Latency per sample of 30</a:t>
             </a:r>
             <a:r>
               <a:rPr lang="en-US" sz="1200" baseline="30000" dirty="0">
@@ -37891,8 +38044,8 @@
         </p:nvSpPr>
         <p:spPr>
           <a:xfrm>
-            <a:off x="782850" y="1264217"/>
-            <a:ext cx="3380400" cy="712500"/>
+            <a:off x="782850" y="1081096"/>
+            <a:ext cx="6448530" cy="712500"/>
           </a:xfrm>
           <a:prstGeom prst="rect">
             <a:avLst/>
@@ -37914,10 +38067,10 @@
               <a:buNone/>
             </a:pPr>
             <a:r>
-              <a:rPr lang="en"/>
-              <a:t>MERCI !</a:t>
+              <a:rPr lang="en" sz="4800" dirty="0"/>
+              <a:t>Thank you for your time</a:t>
             </a:r>
-            <a:endParaRPr dirty="0"/>
+            <a:endParaRPr sz="4800" dirty="0"/>
           </a:p>
         </p:txBody>
       </p:sp>
@@ -37933,7 +38086,7 @@
         </p:nvSpPr>
         <p:spPr>
           <a:xfrm>
-            <a:off x="782850" y="2542667"/>
+            <a:off x="782850" y="2870327"/>
             <a:ext cx="3687900" cy="1341000"/>
           </a:xfrm>
           <a:prstGeom prst="rect">
@@ -37956,68 +38109,8 @@
               <a:buNone/>
             </a:pPr>
             <a:r>
-              <a:rPr lang="en" sz="2000" b="1"/>
-              <a:t>Avez-vous des questions ?</a:t>
-            </a:r>
-            <a:endParaRPr sz="2000" b="1" dirty="0"/>
-          </a:p>
-          <a:p>
-            <a:pPr marL="0" lvl="0" indent="0" algn="l" rtl="0">
-              <a:spcBef>
-                <a:spcPts val="0"/>
-              </a:spcBef>
-              <a:spcAft>
-                <a:spcPts val="0"/>
-              </a:spcAft>
-              <a:buNone/>
-            </a:pPr>
-            <a:endParaRPr dirty="0"/>
-          </a:p>
-          <a:p>
-            <a:pPr marL="0" lvl="0" indent="0" algn="l" rtl="0">
-              <a:spcBef>
-                <a:spcPts val="0"/>
-              </a:spcBef>
-              <a:spcAft>
-                <a:spcPts val="0"/>
-              </a:spcAft>
-              <a:buNone/>
-            </a:pPr>
-            <a:r>
-              <a:rPr lang="en"/>
-              <a:t>votreemail@freepik.com </a:t>
-            </a:r>
-            <a:endParaRPr dirty="0"/>
-          </a:p>
-          <a:p>
-            <a:pPr marL="0" lvl="0" indent="0" algn="l" rtl="0">
-              <a:spcBef>
-                <a:spcPts val="0"/>
-              </a:spcBef>
-              <a:spcAft>
-                <a:spcPts val="0"/>
-              </a:spcAft>
-              <a:buNone/>
-            </a:pPr>
-            <a:r>
-              <a:rPr lang="en"/>
-              <a:t>+91  620 421 838 </a:t>
-            </a:r>
-            <a:endParaRPr dirty="0"/>
-          </a:p>
-          <a:p>
-            <a:pPr marL="0" lvl="0" indent="0" algn="l" rtl="0">
-              <a:spcBef>
-                <a:spcPts val="0"/>
-              </a:spcBef>
-              <a:spcAft>
-                <a:spcPts val="0"/>
-              </a:spcAft>
-              <a:buNone/>
-            </a:pPr>
-            <a:r>
-              <a:rPr lang="en"/>
-              <a:t>votreentreprise.com</a:t>
+              <a:rPr lang="en-US" sz="2000" b="1" dirty="0"/>
+              <a:t>Any questions?</a:t>
             </a:r>
             <a:endParaRPr dirty="0"/>
           </a:p>
@@ -38051,1389 +38144,58 @@
       </p:cxnSp>
       <p:sp>
         <p:nvSpPr>
-          <p:cNvPr id="1692" name="Google Shape;1692;p49"/>
-          <p:cNvSpPr txBox="1"/>
-          <p:nvPr/>
-        </p:nvSpPr>
-        <p:spPr>
-          <a:xfrm>
-            <a:off x="4980600" y="3445300"/>
-            <a:ext cx="3201300" cy="391500"/>
-          </a:xfrm>
-          <a:prstGeom prst="rect">
-            <a:avLst/>
-          </a:prstGeom>
-          <a:noFill/>
-          <a:ln>
-            <a:noFill/>
-          </a:ln>
-        </p:spPr>
-        <p:txBody>
-          <a:bodyPr spcFirstLastPara="1" wrap="square" lIns="91425" tIns="0" rIns="91425" bIns="0" anchor="t" anchorCtr="0">
-            <a:noAutofit/>
-          </a:bodyPr>
-          <a:lstStyle/>
-          <a:p>
-            <a:pPr marL="0" marR="0" lvl="0" indent="0" algn="l" rtl="0">
-              <a:lnSpc>
-                <a:spcPct val="100000"/>
-              </a:lnSpc>
-              <a:spcBef>
-                <a:spcPts val="0"/>
-              </a:spcBef>
-              <a:spcAft>
-                <a:spcPts val="0"/>
-              </a:spcAft>
-              <a:buNone/>
-            </a:pPr>
-            <a:r>
-              <a:rPr lang="en" sz="1200">
-                <a:solidFill>
-                  <a:schemeClr val="lt1"/>
-                </a:solidFill>
-                <a:latin typeface="Montserrat"/>
-                <a:ea typeface="Montserrat"/>
-                <a:cs typeface="Montserrat"/>
-                <a:sym typeface="Montserrat"/>
-              </a:rPr>
-              <a:t>Veuillez conserver cette diapositive pour l'attribution</a:t>
-            </a:r>
-            <a:endParaRPr sz="1200" dirty="0">
-              <a:solidFill>
-                <a:schemeClr val="lt1"/>
-              </a:solidFill>
-              <a:latin typeface="Montserrat"/>
-              <a:ea typeface="Montserrat"/>
-              <a:cs typeface="Montserrat"/>
-              <a:sym typeface="Montserrat"/>
-            </a:endParaRPr>
-          </a:p>
-        </p:txBody>
-      </p:sp>
-      <p:sp>
-        <p:nvSpPr>
-          <p:cNvPr id="1693" name="Google Shape;1693;p49"/>
+          <p:cNvPr id="2" name="Ορθογώνιο 1">
+            <a:extLst>
+              <a:ext uri="{FF2B5EF4-FFF2-40B4-BE49-F238E27FC236}">
+                <a16:creationId xmlns:a16="http://schemas.microsoft.com/office/drawing/2014/main" id="{1247B539-795A-044A-F376-E382381C11AC}"/>
+              </a:ext>
+            </a:extLst>
+          </p:cNvPr>
           <p:cNvSpPr/>
           <p:nvPr/>
         </p:nvSpPr>
         <p:spPr>
           <a:xfrm>
-            <a:off x="5355755" y="1555376"/>
-            <a:ext cx="345674" cy="346056"/>
+            <a:off x="4976255" y="2390268"/>
+            <a:ext cx="3223260" cy="960118"/>
           </a:xfrm>
-          <a:custGeom>
+          <a:prstGeom prst="rect">
             <a:avLst/>
-            <a:gdLst/>
-            <a:ahLst/>
-            <a:cxnLst/>
-            <a:rect l="l" t="t" r="r" b="b"/>
-            <a:pathLst>
-              <a:path w="10860" h="10872" extrusionOk="0">
-                <a:moveTo>
-                  <a:pt x="5430" y="1"/>
-                </a:moveTo>
-                <a:cubicBezTo>
-                  <a:pt x="3990" y="1"/>
-                  <a:pt x="2608" y="560"/>
-                  <a:pt x="1596" y="1584"/>
-                </a:cubicBezTo>
-                <a:cubicBezTo>
-                  <a:pt x="561" y="2620"/>
-                  <a:pt x="1" y="3989"/>
-                  <a:pt x="1" y="5430"/>
-                </a:cubicBezTo>
-                <a:cubicBezTo>
-                  <a:pt x="1" y="6561"/>
-                  <a:pt x="346" y="7645"/>
-                  <a:pt x="1001" y="8573"/>
-                </a:cubicBezTo>
-                <a:cubicBezTo>
-                  <a:pt x="1632" y="9466"/>
-                  <a:pt x="2513" y="10145"/>
-                  <a:pt x="3537" y="10538"/>
-                </a:cubicBezTo>
-                <a:cubicBezTo>
-                  <a:pt x="3559" y="10544"/>
-                  <a:pt x="3579" y="10547"/>
-                  <a:pt x="3599" y="10547"/>
-                </a:cubicBezTo>
-                <a:cubicBezTo>
-                  <a:pt x="3656" y="10547"/>
-                  <a:pt x="3704" y="10522"/>
-                  <a:pt x="3740" y="10478"/>
-                </a:cubicBezTo>
-                <a:cubicBezTo>
-                  <a:pt x="3763" y="10443"/>
-                  <a:pt x="3763" y="10395"/>
-                  <a:pt x="3763" y="10371"/>
-                </a:cubicBezTo>
-                <a:lnTo>
-                  <a:pt x="3763" y="7275"/>
-                </a:lnTo>
-                <a:cubicBezTo>
-                  <a:pt x="3763" y="7180"/>
-                  <a:pt x="3692" y="7097"/>
-                  <a:pt x="3585" y="7097"/>
-                </a:cubicBezTo>
-                <a:lnTo>
-                  <a:pt x="2156" y="7097"/>
-                </a:lnTo>
-                <a:lnTo>
-                  <a:pt x="2156" y="5835"/>
-                </a:lnTo>
-                <a:lnTo>
-                  <a:pt x="3585" y="5835"/>
-                </a:lnTo>
-                <a:cubicBezTo>
-                  <a:pt x="3680" y="5835"/>
-                  <a:pt x="3763" y="5751"/>
-                  <a:pt x="3763" y="5656"/>
-                </a:cubicBezTo>
-                <a:lnTo>
-                  <a:pt x="3763" y="5430"/>
-                </a:lnTo>
-                <a:cubicBezTo>
-                  <a:pt x="3763" y="3942"/>
-                  <a:pt x="5180" y="2632"/>
-                  <a:pt x="6799" y="2632"/>
-                </a:cubicBezTo>
-                <a:lnTo>
-                  <a:pt x="7550" y="2632"/>
-                </a:lnTo>
-                <a:lnTo>
-                  <a:pt x="7550" y="3894"/>
-                </a:lnTo>
-                <a:lnTo>
-                  <a:pt x="6799" y="3894"/>
-                </a:lnTo>
-                <a:cubicBezTo>
-                  <a:pt x="6311" y="3894"/>
-                  <a:pt x="5883" y="4025"/>
-                  <a:pt x="5561" y="4287"/>
-                </a:cubicBezTo>
-                <a:cubicBezTo>
-                  <a:pt x="5228" y="4561"/>
-                  <a:pt x="5025" y="4966"/>
-                  <a:pt x="5025" y="5430"/>
-                </a:cubicBezTo>
-                <a:lnTo>
-                  <a:pt x="5025" y="5656"/>
-                </a:lnTo>
-                <a:cubicBezTo>
-                  <a:pt x="5025" y="5740"/>
-                  <a:pt x="5109" y="5835"/>
-                  <a:pt x="5204" y="5835"/>
-                </a:cubicBezTo>
-                <a:lnTo>
-                  <a:pt x="5883" y="5835"/>
-                </a:lnTo>
-                <a:cubicBezTo>
-                  <a:pt x="5966" y="5835"/>
-                  <a:pt x="6061" y="5751"/>
-                  <a:pt x="6061" y="5656"/>
-                </a:cubicBezTo>
-                <a:cubicBezTo>
-                  <a:pt x="6061" y="5561"/>
-                  <a:pt x="5978" y="5478"/>
-                  <a:pt x="5883" y="5478"/>
-                </a:cubicBezTo>
-                <a:lnTo>
-                  <a:pt x="5371" y="5478"/>
-                </a:lnTo>
-                <a:lnTo>
-                  <a:pt x="5371" y="5418"/>
-                </a:lnTo>
-                <a:cubicBezTo>
-                  <a:pt x="5371" y="4525"/>
-                  <a:pt x="6145" y="4204"/>
-                  <a:pt x="6799" y="4204"/>
-                </a:cubicBezTo>
-                <a:lnTo>
-                  <a:pt x="7704" y="4204"/>
-                </a:lnTo>
-                <a:cubicBezTo>
-                  <a:pt x="7800" y="4204"/>
-                  <a:pt x="7883" y="4132"/>
-                  <a:pt x="7883" y="4025"/>
-                </a:cubicBezTo>
-                <a:lnTo>
-                  <a:pt x="7883" y="2418"/>
-                </a:lnTo>
-                <a:cubicBezTo>
-                  <a:pt x="7883" y="2334"/>
-                  <a:pt x="7811" y="2239"/>
-                  <a:pt x="7704" y="2239"/>
-                </a:cubicBezTo>
-                <a:lnTo>
-                  <a:pt x="6799" y="2239"/>
-                </a:lnTo>
-                <a:cubicBezTo>
-                  <a:pt x="5966" y="2239"/>
-                  <a:pt x="5121" y="2572"/>
-                  <a:pt x="4466" y="3156"/>
-                </a:cubicBezTo>
-                <a:cubicBezTo>
-                  <a:pt x="3799" y="3763"/>
-                  <a:pt x="3418" y="4549"/>
-                  <a:pt x="3418" y="5382"/>
-                </a:cubicBezTo>
-                <a:lnTo>
-                  <a:pt x="3418" y="5442"/>
-                </a:lnTo>
-                <a:lnTo>
-                  <a:pt x="1989" y="5442"/>
-                </a:lnTo>
-                <a:cubicBezTo>
-                  <a:pt x="1906" y="5442"/>
-                  <a:pt x="1811" y="5513"/>
-                  <a:pt x="1811" y="5620"/>
-                </a:cubicBezTo>
-                <a:lnTo>
-                  <a:pt x="1811" y="7228"/>
-                </a:lnTo>
-                <a:cubicBezTo>
-                  <a:pt x="1811" y="7323"/>
-                  <a:pt x="1894" y="7406"/>
-                  <a:pt x="1989" y="7406"/>
-                </a:cubicBezTo>
-                <a:lnTo>
-                  <a:pt x="3418" y="7406"/>
-                </a:lnTo>
-                <a:lnTo>
-                  <a:pt x="3418" y="10085"/>
-                </a:lnTo>
-                <a:cubicBezTo>
-                  <a:pt x="1561" y="9300"/>
-                  <a:pt x="346" y="7442"/>
-                  <a:pt x="346" y="5418"/>
-                </a:cubicBezTo>
-                <a:cubicBezTo>
-                  <a:pt x="346" y="2596"/>
-                  <a:pt x="2620" y="322"/>
-                  <a:pt x="5430" y="322"/>
-                </a:cubicBezTo>
-                <a:cubicBezTo>
-                  <a:pt x="8228" y="322"/>
-                  <a:pt x="10526" y="2620"/>
-                  <a:pt x="10526" y="5418"/>
-                </a:cubicBezTo>
-                <a:cubicBezTo>
-                  <a:pt x="10526" y="8228"/>
-                  <a:pt x="8240" y="10502"/>
-                  <a:pt x="5430" y="10502"/>
-                </a:cubicBezTo>
-                <a:lnTo>
-                  <a:pt x="5371" y="10502"/>
-                </a:lnTo>
-                <a:lnTo>
-                  <a:pt x="5371" y="7418"/>
-                </a:lnTo>
-                <a:lnTo>
-                  <a:pt x="7728" y="7418"/>
-                </a:lnTo>
-                <a:cubicBezTo>
-                  <a:pt x="7811" y="7418"/>
-                  <a:pt x="7907" y="7347"/>
-                  <a:pt x="7907" y="7240"/>
-                </a:cubicBezTo>
-                <a:lnTo>
-                  <a:pt x="7907" y="5656"/>
-                </a:lnTo>
-                <a:cubicBezTo>
-                  <a:pt x="7907" y="5561"/>
-                  <a:pt x="7823" y="5478"/>
-                  <a:pt x="7728" y="5478"/>
-                </a:cubicBezTo>
-                <a:lnTo>
-                  <a:pt x="6728" y="5478"/>
-                </a:lnTo>
-                <a:cubicBezTo>
-                  <a:pt x="6633" y="5478"/>
-                  <a:pt x="6549" y="5549"/>
-                  <a:pt x="6549" y="5656"/>
-                </a:cubicBezTo>
-                <a:cubicBezTo>
-                  <a:pt x="6549" y="5740"/>
-                  <a:pt x="6621" y="5835"/>
-                  <a:pt x="6728" y="5835"/>
-                </a:cubicBezTo>
-                <a:lnTo>
-                  <a:pt x="7561" y="5835"/>
-                </a:lnTo>
-                <a:lnTo>
-                  <a:pt x="7561" y="7097"/>
-                </a:lnTo>
-                <a:lnTo>
-                  <a:pt x="5204" y="7097"/>
-                </a:lnTo>
-                <a:cubicBezTo>
-                  <a:pt x="5121" y="7097"/>
-                  <a:pt x="5025" y="7168"/>
-                  <a:pt x="5025" y="7275"/>
-                </a:cubicBezTo>
-                <a:lnTo>
-                  <a:pt x="5025" y="10693"/>
-                </a:lnTo>
-                <a:cubicBezTo>
-                  <a:pt x="5025" y="10788"/>
-                  <a:pt x="5109" y="10859"/>
-                  <a:pt x="5192" y="10871"/>
-                </a:cubicBezTo>
-                <a:lnTo>
-                  <a:pt x="5430" y="10871"/>
-                </a:lnTo>
-                <a:cubicBezTo>
-                  <a:pt x="6871" y="10871"/>
-                  <a:pt x="8240" y="10312"/>
-                  <a:pt x="9276" y="9288"/>
-                </a:cubicBezTo>
-                <a:cubicBezTo>
-                  <a:pt x="10300" y="8252"/>
-                  <a:pt x="10859" y="6883"/>
-                  <a:pt x="10859" y="5442"/>
-                </a:cubicBezTo>
-                <a:cubicBezTo>
-                  <a:pt x="10859" y="3989"/>
-                  <a:pt x="10300" y="2620"/>
-                  <a:pt x="9276" y="1584"/>
-                </a:cubicBezTo>
-                <a:cubicBezTo>
-                  <a:pt x="8240" y="560"/>
-                  <a:pt x="6871" y="1"/>
-                  <a:pt x="5430" y="1"/>
-                </a:cubicBezTo>
-                <a:close/>
-              </a:path>
-            </a:pathLst>
-          </a:custGeom>
+          </a:prstGeom>
           <a:solidFill>
-            <a:schemeClr val="lt1"/>
+            <a:srgbClr val="F6F6FF"/>
           </a:solidFill>
           <a:ln>
-            <a:noFill/>
+            <a:solidFill>
+              <a:srgbClr val="F6F6FF"/>
+            </a:solidFill>
           </a:ln>
         </p:spPr>
+        <p:style>
+          <a:lnRef idx="2">
+            <a:schemeClr val="accent1">
+              <a:shade val="15000"/>
+            </a:schemeClr>
+          </a:lnRef>
+          <a:fillRef idx="1">
+            <a:schemeClr val="accent1"/>
+          </a:fillRef>
+          <a:effectRef idx="0">
+            <a:schemeClr val="accent1"/>
+          </a:effectRef>
+          <a:fontRef idx="minor">
+            <a:schemeClr val="lt1"/>
+          </a:fontRef>
+        </p:style>
         <p:txBody>
-          <a:bodyPr spcFirstLastPara="1" wrap="square" lIns="91425" tIns="91425" rIns="91425" bIns="91425" anchor="ctr" anchorCtr="0">
-            <a:noAutofit/>
-          </a:bodyPr>
+          <a:bodyPr rtlCol="0" anchor="ctr"/>
           <a:lstStyle/>
           <a:p>
-            <a:pPr marL="0" lvl="0" indent="0" algn="l" rtl="0">
-              <a:spcBef>
-                <a:spcPts val="0"/>
-              </a:spcBef>
-              <a:spcAft>
-                <a:spcPts val="0"/>
-              </a:spcAft>
-              <a:buNone/>
-            </a:pPr>
-            <a:endParaRPr dirty="0"/>
+            <a:pPr algn="ctr"/>
+            <a:endParaRPr lang="el-GR"/>
           </a:p>
         </p:txBody>
       </p:sp>
-      <p:grpSp>
-        <p:nvGrpSpPr>
-          <p:cNvPr id="1694" name="Google Shape;1694;p49"/>
-          <p:cNvGrpSpPr/>
-          <p:nvPr/>
-        </p:nvGrpSpPr>
-        <p:grpSpPr>
-          <a:xfrm>
-            <a:off x="5856652" y="1555567"/>
-            <a:ext cx="346056" cy="345674"/>
-            <a:chOff x="3303268" y="3817349"/>
-            <a:chExt cx="346056" cy="345674"/>
-          </a:xfrm>
-        </p:grpSpPr>
-        <p:sp>
-          <p:nvSpPr>
-            <p:cNvPr id="1695" name="Google Shape;1695;p49"/>
-            <p:cNvSpPr/>
-            <p:nvPr/>
-          </p:nvSpPr>
-          <p:spPr>
-            <a:xfrm>
-              <a:off x="3303268" y="3817349"/>
-              <a:ext cx="346056" cy="345674"/>
-            </a:xfrm>
-            <a:custGeom>
-              <a:avLst/>
-              <a:gdLst/>
-              <a:ahLst/>
-              <a:cxnLst/>
-              <a:rect l="l" t="t" r="r" b="b"/>
-              <a:pathLst>
-                <a:path w="10872" h="10860" extrusionOk="0">
-                  <a:moveTo>
-                    <a:pt x="5418" y="334"/>
-                  </a:moveTo>
-                  <a:cubicBezTo>
-                    <a:pt x="8228" y="334"/>
-                    <a:pt x="10514" y="2608"/>
-                    <a:pt x="10514" y="5430"/>
-                  </a:cubicBezTo>
-                  <a:cubicBezTo>
-                    <a:pt x="10514" y="8240"/>
-                    <a:pt x="8228" y="10514"/>
-                    <a:pt x="5418" y="10514"/>
-                  </a:cubicBezTo>
-                  <a:cubicBezTo>
-                    <a:pt x="2608" y="10514"/>
-                    <a:pt x="334" y="8240"/>
-                    <a:pt x="334" y="5430"/>
-                  </a:cubicBezTo>
-                  <a:cubicBezTo>
-                    <a:pt x="334" y="2608"/>
-                    <a:pt x="2608" y="334"/>
-                    <a:pt x="5418" y="334"/>
-                  </a:cubicBezTo>
-                  <a:close/>
-                  <a:moveTo>
-                    <a:pt x="5430" y="1"/>
-                  </a:moveTo>
-                  <a:cubicBezTo>
-                    <a:pt x="3989" y="1"/>
-                    <a:pt x="2620" y="560"/>
-                    <a:pt x="1596" y="1584"/>
-                  </a:cubicBezTo>
-                  <a:cubicBezTo>
-                    <a:pt x="572" y="2620"/>
-                    <a:pt x="1" y="3989"/>
-                    <a:pt x="1" y="5430"/>
-                  </a:cubicBezTo>
-                  <a:cubicBezTo>
-                    <a:pt x="1" y="6871"/>
-                    <a:pt x="572" y="8240"/>
-                    <a:pt x="1596" y="9264"/>
-                  </a:cubicBezTo>
-                  <a:cubicBezTo>
-                    <a:pt x="2620" y="10300"/>
-                    <a:pt x="3989" y="10859"/>
-                    <a:pt x="5430" y="10859"/>
-                  </a:cubicBezTo>
-                  <a:cubicBezTo>
-                    <a:pt x="6883" y="10859"/>
-                    <a:pt x="8252" y="10300"/>
-                    <a:pt x="9276" y="9264"/>
-                  </a:cubicBezTo>
-                  <a:cubicBezTo>
-                    <a:pt x="10300" y="8240"/>
-                    <a:pt x="10871" y="6871"/>
-                    <a:pt x="10871" y="5430"/>
-                  </a:cubicBezTo>
-                  <a:cubicBezTo>
-                    <a:pt x="10871" y="3989"/>
-                    <a:pt x="10300" y="2620"/>
-                    <a:pt x="9276" y="1584"/>
-                  </a:cubicBezTo>
-                  <a:cubicBezTo>
-                    <a:pt x="8252" y="560"/>
-                    <a:pt x="6883" y="1"/>
-                    <a:pt x="5430" y="1"/>
-                  </a:cubicBezTo>
-                  <a:close/>
-                </a:path>
-              </a:pathLst>
-            </a:custGeom>
-            <a:solidFill>
-              <a:schemeClr val="lt1"/>
-            </a:solidFill>
-            <a:ln>
-              <a:noFill/>
-            </a:ln>
-          </p:spPr>
-          <p:txBody>
-            <a:bodyPr spcFirstLastPara="1" wrap="square" lIns="91425" tIns="91425" rIns="91425" bIns="91425" anchor="ctr" anchorCtr="0">
-              <a:noAutofit/>
-            </a:bodyPr>
-            <a:lstStyle/>
-            <a:p>
-              <a:pPr marL="0" lvl="0" indent="0" algn="l" rtl="0">
-                <a:spcBef>
-                  <a:spcPts val="0"/>
-                </a:spcBef>
-                <a:spcAft>
-                  <a:spcPts val="0"/>
-                </a:spcAft>
-                <a:buNone/>
-              </a:pPr>
-              <a:endParaRPr dirty="0"/>
-            </a:p>
-          </p:txBody>
-        </p:sp>
-        <p:sp>
-          <p:nvSpPr>
-            <p:cNvPr id="1696" name="Google Shape;1696;p49"/>
-            <p:cNvSpPr/>
-            <p:nvPr/>
-          </p:nvSpPr>
-          <p:spPr>
-            <a:xfrm>
-              <a:off x="3368074" y="3882537"/>
-              <a:ext cx="215298" cy="215298"/>
-            </a:xfrm>
-            <a:custGeom>
-              <a:avLst/>
-              <a:gdLst/>
-              <a:ahLst/>
-              <a:cxnLst/>
-              <a:rect l="l" t="t" r="r" b="b"/>
-              <a:pathLst>
-                <a:path w="6764" h="6764" extrusionOk="0">
-                  <a:moveTo>
-                    <a:pt x="5335" y="346"/>
-                  </a:moveTo>
-                  <a:cubicBezTo>
-                    <a:pt x="5930" y="346"/>
-                    <a:pt x="6418" y="834"/>
-                    <a:pt x="6418" y="1429"/>
-                  </a:cubicBezTo>
-                  <a:lnTo>
-                    <a:pt x="6418" y="5335"/>
-                  </a:lnTo>
-                  <a:cubicBezTo>
-                    <a:pt x="6418" y="5930"/>
-                    <a:pt x="5930" y="6418"/>
-                    <a:pt x="5335" y="6418"/>
-                  </a:cubicBezTo>
-                  <a:lnTo>
-                    <a:pt x="1429" y="6418"/>
-                  </a:lnTo>
-                  <a:cubicBezTo>
-                    <a:pt x="834" y="6418"/>
-                    <a:pt x="346" y="5930"/>
-                    <a:pt x="346" y="5335"/>
-                  </a:cubicBezTo>
-                  <a:lnTo>
-                    <a:pt x="346" y="1429"/>
-                  </a:lnTo>
-                  <a:cubicBezTo>
-                    <a:pt x="346" y="834"/>
-                    <a:pt x="834" y="346"/>
-                    <a:pt x="1429" y="346"/>
-                  </a:cubicBezTo>
-                  <a:close/>
-                  <a:moveTo>
-                    <a:pt x="1429" y="1"/>
-                  </a:moveTo>
-                  <a:cubicBezTo>
-                    <a:pt x="644" y="1"/>
-                    <a:pt x="1" y="644"/>
-                    <a:pt x="1" y="1429"/>
-                  </a:cubicBezTo>
-                  <a:lnTo>
-                    <a:pt x="1" y="5335"/>
-                  </a:lnTo>
-                  <a:cubicBezTo>
-                    <a:pt x="1" y="6120"/>
-                    <a:pt x="644" y="6763"/>
-                    <a:pt x="1429" y="6763"/>
-                  </a:cubicBezTo>
-                  <a:lnTo>
-                    <a:pt x="5335" y="6763"/>
-                  </a:lnTo>
-                  <a:cubicBezTo>
-                    <a:pt x="6121" y="6763"/>
-                    <a:pt x="6763" y="6120"/>
-                    <a:pt x="6763" y="5335"/>
-                  </a:cubicBezTo>
-                  <a:lnTo>
-                    <a:pt x="6763" y="1429"/>
-                  </a:lnTo>
-                  <a:cubicBezTo>
-                    <a:pt x="6763" y="644"/>
-                    <a:pt x="6121" y="1"/>
-                    <a:pt x="5335" y="1"/>
-                  </a:cubicBezTo>
-                  <a:close/>
-                </a:path>
-              </a:pathLst>
-            </a:custGeom>
-            <a:solidFill>
-              <a:schemeClr val="lt1"/>
-            </a:solidFill>
-            <a:ln>
-              <a:noFill/>
-            </a:ln>
-          </p:spPr>
-          <p:txBody>
-            <a:bodyPr spcFirstLastPara="1" wrap="square" lIns="91425" tIns="91425" rIns="91425" bIns="91425" anchor="ctr" anchorCtr="0">
-              <a:noAutofit/>
-            </a:bodyPr>
-            <a:lstStyle/>
-            <a:p>
-              <a:pPr marL="0" lvl="0" indent="0" algn="l" rtl="0">
-                <a:spcBef>
-                  <a:spcPts val="0"/>
-                </a:spcBef>
-                <a:spcAft>
-                  <a:spcPts val="0"/>
-                </a:spcAft>
-                <a:buNone/>
-              </a:pPr>
-              <a:endParaRPr dirty="0"/>
-            </a:p>
-          </p:txBody>
-        </p:sp>
-        <p:sp>
-          <p:nvSpPr>
-            <p:cNvPr id="1697" name="Google Shape;1697;p49"/>
-            <p:cNvSpPr/>
-            <p:nvPr/>
-          </p:nvSpPr>
-          <p:spPr>
-            <a:xfrm>
-              <a:off x="3418143" y="3933656"/>
-              <a:ext cx="114811" cy="112742"/>
-            </a:xfrm>
-            <a:custGeom>
-              <a:avLst/>
-              <a:gdLst/>
-              <a:ahLst/>
-              <a:cxnLst/>
-              <a:rect l="l" t="t" r="r" b="b"/>
-              <a:pathLst>
-                <a:path w="3607" h="3542" extrusionOk="0">
-                  <a:moveTo>
-                    <a:pt x="1822" y="0"/>
-                  </a:moveTo>
-                  <a:cubicBezTo>
-                    <a:pt x="812" y="0"/>
-                    <a:pt x="1" y="851"/>
-                    <a:pt x="59" y="1859"/>
-                  </a:cubicBezTo>
-                  <a:cubicBezTo>
-                    <a:pt x="95" y="2776"/>
-                    <a:pt x="833" y="3502"/>
-                    <a:pt x="1726" y="3538"/>
-                  </a:cubicBezTo>
-                  <a:cubicBezTo>
-                    <a:pt x="1764" y="3541"/>
-                    <a:pt x="1802" y="3542"/>
-                    <a:pt x="1840" y="3542"/>
-                  </a:cubicBezTo>
-                  <a:cubicBezTo>
-                    <a:pt x="2178" y="3542"/>
-                    <a:pt x="2494" y="3447"/>
-                    <a:pt x="2762" y="3276"/>
-                  </a:cubicBezTo>
-                  <a:cubicBezTo>
-                    <a:pt x="2857" y="3217"/>
-                    <a:pt x="2869" y="3086"/>
-                    <a:pt x="2797" y="3014"/>
-                  </a:cubicBezTo>
-                  <a:cubicBezTo>
-                    <a:pt x="2761" y="2978"/>
-                    <a:pt x="2711" y="2964"/>
-                    <a:pt x="2664" y="2964"/>
-                  </a:cubicBezTo>
-                  <a:cubicBezTo>
-                    <a:pt x="2634" y="2964"/>
-                    <a:pt x="2606" y="2969"/>
-                    <a:pt x="2583" y="2979"/>
-                  </a:cubicBezTo>
-                  <a:cubicBezTo>
-                    <a:pt x="2380" y="3096"/>
-                    <a:pt x="2149" y="3185"/>
-                    <a:pt x="1897" y="3185"/>
-                  </a:cubicBezTo>
-                  <a:cubicBezTo>
-                    <a:pt x="1868" y="3185"/>
-                    <a:pt x="1839" y="3183"/>
-                    <a:pt x="1809" y="3181"/>
-                  </a:cubicBezTo>
-                  <a:cubicBezTo>
-                    <a:pt x="1023" y="3169"/>
-                    <a:pt x="380" y="2514"/>
-                    <a:pt x="392" y="1716"/>
-                  </a:cubicBezTo>
-                  <a:cubicBezTo>
-                    <a:pt x="426" y="948"/>
-                    <a:pt x="1028" y="330"/>
-                    <a:pt x="1792" y="330"/>
-                  </a:cubicBezTo>
-                  <a:cubicBezTo>
-                    <a:pt x="1833" y="330"/>
-                    <a:pt x="1874" y="332"/>
-                    <a:pt x="1916" y="335"/>
-                  </a:cubicBezTo>
-                  <a:cubicBezTo>
-                    <a:pt x="2619" y="371"/>
-                    <a:pt x="3190" y="943"/>
-                    <a:pt x="3250" y="1633"/>
-                  </a:cubicBezTo>
-                  <a:cubicBezTo>
-                    <a:pt x="3285" y="1919"/>
-                    <a:pt x="3214" y="2193"/>
-                    <a:pt x="3095" y="2431"/>
-                  </a:cubicBezTo>
-                  <a:cubicBezTo>
-                    <a:pt x="3059" y="2490"/>
-                    <a:pt x="3059" y="2574"/>
-                    <a:pt x="3119" y="2633"/>
-                  </a:cubicBezTo>
-                  <a:cubicBezTo>
-                    <a:pt x="3149" y="2663"/>
-                    <a:pt x="3191" y="2678"/>
-                    <a:pt x="3234" y="2678"/>
-                  </a:cubicBezTo>
-                  <a:cubicBezTo>
-                    <a:pt x="3295" y="2678"/>
-                    <a:pt x="3358" y="2648"/>
-                    <a:pt x="3393" y="2586"/>
-                  </a:cubicBezTo>
-                  <a:cubicBezTo>
-                    <a:pt x="3536" y="2324"/>
-                    <a:pt x="3607" y="2014"/>
-                    <a:pt x="3583" y="1669"/>
-                  </a:cubicBezTo>
-                  <a:cubicBezTo>
-                    <a:pt x="3536" y="764"/>
-                    <a:pt x="2797" y="50"/>
-                    <a:pt x="1904" y="2"/>
-                  </a:cubicBezTo>
-                  <a:cubicBezTo>
-                    <a:pt x="1877" y="1"/>
-                    <a:pt x="1849" y="0"/>
-                    <a:pt x="1822" y="0"/>
-                  </a:cubicBezTo>
-                  <a:close/>
-                </a:path>
-              </a:pathLst>
-            </a:custGeom>
-            <a:solidFill>
-              <a:schemeClr val="lt1"/>
-            </a:solidFill>
-            <a:ln>
-              <a:noFill/>
-            </a:ln>
-          </p:spPr>
-          <p:txBody>
-            <a:bodyPr spcFirstLastPara="1" wrap="square" lIns="91425" tIns="91425" rIns="91425" bIns="91425" anchor="ctr" anchorCtr="0">
-              <a:noAutofit/>
-            </a:bodyPr>
-            <a:lstStyle/>
-            <a:p>
-              <a:pPr marL="0" lvl="0" indent="0" algn="l" rtl="0">
-                <a:spcBef>
-                  <a:spcPts val="0"/>
-                </a:spcBef>
-                <a:spcAft>
-                  <a:spcPts val="0"/>
-                </a:spcAft>
-                <a:buNone/>
-              </a:pPr>
-              <a:endParaRPr dirty="0"/>
-            </a:p>
-          </p:txBody>
-        </p:sp>
-        <p:sp>
-          <p:nvSpPr>
-            <p:cNvPr id="1698" name="Google Shape;1698;p49"/>
-            <p:cNvSpPr/>
-            <p:nvPr/>
-          </p:nvSpPr>
-          <p:spPr>
-            <a:xfrm>
-              <a:off x="3519298" y="3910197"/>
-              <a:ext cx="29570" cy="29220"/>
-            </a:xfrm>
-            <a:custGeom>
-              <a:avLst/>
-              <a:gdLst/>
-              <a:ahLst/>
-              <a:cxnLst/>
-              <a:rect l="l" t="t" r="r" b="b"/>
-              <a:pathLst>
-                <a:path w="929" h="918" extrusionOk="0">
-                  <a:moveTo>
-                    <a:pt x="465" y="1"/>
-                  </a:moveTo>
-                  <a:cubicBezTo>
-                    <a:pt x="203" y="1"/>
-                    <a:pt x="0" y="203"/>
-                    <a:pt x="0" y="453"/>
-                  </a:cubicBezTo>
-                  <a:cubicBezTo>
-                    <a:pt x="0" y="715"/>
-                    <a:pt x="203" y="918"/>
-                    <a:pt x="465" y="918"/>
-                  </a:cubicBezTo>
-                  <a:cubicBezTo>
-                    <a:pt x="715" y="918"/>
-                    <a:pt x="929" y="715"/>
-                    <a:pt x="929" y="453"/>
-                  </a:cubicBezTo>
-                  <a:cubicBezTo>
-                    <a:pt x="929" y="203"/>
-                    <a:pt x="715" y="1"/>
-                    <a:pt x="465" y="1"/>
-                  </a:cubicBezTo>
-                  <a:close/>
-                </a:path>
-              </a:pathLst>
-            </a:custGeom>
-            <a:solidFill>
-              <a:schemeClr val="lt1"/>
-            </a:solidFill>
-            <a:ln>
-              <a:noFill/>
-            </a:ln>
-          </p:spPr>
-          <p:txBody>
-            <a:bodyPr spcFirstLastPara="1" wrap="square" lIns="91425" tIns="91425" rIns="91425" bIns="91425" anchor="ctr" anchorCtr="0">
-              <a:noAutofit/>
-            </a:bodyPr>
-            <a:lstStyle/>
-            <a:p>
-              <a:pPr marL="0" lvl="0" indent="0" algn="l" rtl="0">
-                <a:spcBef>
-                  <a:spcPts val="0"/>
-                </a:spcBef>
-                <a:spcAft>
-                  <a:spcPts val="0"/>
-                </a:spcAft>
-                <a:buNone/>
-              </a:pPr>
-              <a:endParaRPr dirty="0"/>
-            </a:p>
-          </p:txBody>
-        </p:sp>
-      </p:grpSp>
-      <p:grpSp>
-        <p:nvGrpSpPr>
-          <p:cNvPr id="1699" name="Google Shape;1699;p49"/>
-          <p:cNvGrpSpPr/>
-          <p:nvPr/>
-        </p:nvGrpSpPr>
-        <p:grpSpPr>
-          <a:xfrm>
-            <a:off x="6357927" y="1555567"/>
-            <a:ext cx="346024" cy="345674"/>
-            <a:chOff x="4650919" y="3817349"/>
-            <a:chExt cx="346024" cy="345674"/>
-          </a:xfrm>
-        </p:grpSpPr>
-        <p:sp>
-          <p:nvSpPr>
-            <p:cNvPr id="1700" name="Google Shape;1700;p49"/>
-            <p:cNvSpPr/>
-            <p:nvPr/>
-          </p:nvSpPr>
-          <p:spPr>
-            <a:xfrm>
-              <a:off x="4650919" y="3817349"/>
-              <a:ext cx="346024" cy="345674"/>
-            </a:xfrm>
-            <a:custGeom>
-              <a:avLst/>
-              <a:gdLst/>
-              <a:ahLst/>
-              <a:cxnLst/>
-              <a:rect l="l" t="t" r="r" b="b"/>
-              <a:pathLst>
-                <a:path w="10871" h="10860" extrusionOk="0">
-                  <a:moveTo>
-                    <a:pt x="5442" y="334"/>
-                  </a:moveTo>
-                  <a:cubicBezTo>
-                    <a:pt x="8251" y="334"/>
-                    <a:pt x="10526" y="2608"/>
-                    <a:pt x="10526" y="5430"/>
-                  </a:cubicBezTo>
-                  <a:cubicBezTo>
-                    <a:pt x="10526" y="8240"/>
-                    <a:pt x="8240" y="10514"/>
-                    <a:pt x="5442" y="10514"/>
-                  </a:cubicBezTo>
-                  <a:cubicBezTo>
-                    <a:pt x="2620" y="10514"/>
-                    <a:pt x="346" y="8240"/>
-                    <a:pt x="346" y="5430"/>
-                  </a:cubicBezTo>
-                  <a:cubicBezTo>
-                    <a:pt x="346" y="2608"/>
-                    <a:pt x="2620" y="334"/>
-                    <a:pt x="5442" y="334"/>
-                  </a:cubicBezTo>
-                  <a:close/>
-                  <a:moveTo>
-                    <a:pt x="5442" y="1"/>
-                  </a:moveTo>
-                  <a:cubicBezTo>
-                    <a:pt x="3989" y="1"/>
-                    <a:pt x="2620" y="560"/>
-                    <a:pt x="1596" y="1584"/>
-                  </a:cubicBezTo>
-                  <a:cubicBezTo>
-                    <a:pt x="572" y="2620"/>
-                    <a:pt x="0" y="3989"/>
-                    <a:pt x="0" y="5430"/>
-                  </a:cubicBezTo>
-                  <a:cubicBezTo>
-                    <a:pt x="0" y="6871"/>
-                    <a:pt x="572" y="8240"/>
-                    <a:pt x="1596" y="9264"/>
-                  </a:cubicBezTo>
-                  <a:cubicBezTo>
-                    <a:pt x="2620" y="10300"/>
-                    <a:pt x="3989" y="10859"/>
-                    <a:pt x="5442" y="10859"/>
-                  </a:cubicBezTo>
-                  <a:cubicBezTo>
-                    <a:pt x="6882" y="10859"/>
-                    <a:pt x="8251" y="10300"/>
-                    <a:pt x="9275" y="9264"/>
-                  </a:cubicBezTo>
-                  <a:cubicBezTo>
-                    <a:pt x="10299" y="8240"/>
-                    <a:pt x="10871" y="6871"/>
-                    <a:pt x="10871" y="5430"/>
-                  </a:cubicBezTo>
-                  <a:cubicBezTo>
-                    <a:pt x="10871" y="3989"/>
-                    <a:pt x="10299" y="2620"/>
-                    <a:pt x="9275" y="1584"/>
-                  </a:cubicBezTo>
-                  <a:cubicBezTo>
-                    <a:pt x="8251" y="560"/>
-                    <a:pt x="6882" y="1"/>
-                    <a:pt x="5442" y="1"/>
-                  </a:cubicBezTo>
-                  <a:close/>
-                </a:path>
-              </a:pathLst>
-            </a:custGeom>
-            <a:solidFill>
-              <a:schemeClr val="lt1"/>
-            </a:solidFill>
-            <a:ln>
-              <a:noFill/>
-            </a:ln>
-          </p:spPr>
-          <p:txBody>
-            <a:bodyPr spcFirstLastPara="1" wrap="square" lIns="91425" tIns="91425" rIns="91425" bIns="91425" anchor="ctr" anchorCtr="0">
-              <a:noAutofit/>
-            </a:bodyPr>
-            <a:lstStyle/>
-            <a:p>
-              <a:pPr marL="0" lvl="0" indent="0" algn="l" rtl="0">
-                <a:spcBef>
-                  <a:spcPts val="0"/>
-                </a:spcBef>
-                <a:spcAft>
-                  <a:spcPts val="0"/>
-                </a:spcAft>
-                <a:buNone/>
-              </a:pPr>
-              <a:endParaRPr dirty="0"/>
-            </a:p>
-          </p:txBody>
-        </p:sp>
-        <p:sp>
-          <p:nvSpPr>
-            <p:cNvPr id="1701" name="Google Shape;1701;p49"/>
-            <p:cNvSpPr/>
-            <p:nvPr/>
-          </p:nvSpPr>
-          <p:spPr>
-            <a:xfrm>
-              <a:off x="4701305" y="3867386"/>
-              <a:ext cx="244486" cy="242958"/>
-            </a:xfrm>
-            <a:custGeom>
-              <a:avLst/>
-              <a:gdLst/>
-              <a:ahLst/>
-              <a:cxnLst/>
-              <a:rect l="l" t="t" r="r" b="b"/>
-              <a:pathLst>
-                <a:path w="7681" h="7633" extrusionOk="0">
-                  <a:moveTo>
-                    <a:pt x="3835" y="0"/>
-                  </a:moveTo>
-                  <a:cubicBezTo>
-                    <a:pt x="1727" y="0"/>
-                    <a:pt x="13" y="1715"/>
-                    <a:pt x="13" y="3822"/>
-                  </a:cubicBezTo>
-                  <a:cubicBezTo>
-                    <a:pt x="13" y="4418"/>
-                    <a:pt x="144" y="5001"/>
-                    <a:pt x="418" y="5537"/>
-                  </a:cubicBezTo>
-                  <a:lnTo>
-                    <a:pt x="25" y="6501"/>
-                  </a:lnTo>
-                  <a:cubicBezTo>
-                    <a:pt x="1" y="6585"/>
-                    <a:pt x="13" y="6656"/>
-                    <a:pt x="84" y="6704"/>
-                  </a:cubicBezTo>
-                  <a:cubicBezTo>
-                    <a:pt x="120" y="6727"/>
-                    <a:pt x="156" y="6727"/>
-                    <a:pt x="191" y="6727"/>
-                  </a:cubicBezTo>
-                  <a:lnTo>
-                    <a:pt x="1370" y="6727"/>
-                  </a:lnTo>
-                  <a:cubicBezTo>
-                    <a:pt x="2061" y="7323"/>
-                    <a:pt x="2942" y="7632"/>
-                    <a:pt x="3847" y="7632"/>
-                  </a:cubicBezTo>
-                  <a:cubicBezTo>
-                    <a:pt x="5966" y="7632"/>
-                    <a:pt x="7680" y="5930"/>
-                    <a:pt x="7680" y="3810"/>
-                  </a:cubicBezTo>
-                  <a:cubicBezTo>
-                    <a:pt x="7680" y="3096"/>
-                    <a:pt x="7454" y="2394"/>
-                    <a:pt x="7085" y="1798"/>
-                  </a:cubicBezTo>
-                  <a:cubicBezTo>
-                    <a:pt x="7052" y="1752"/>
-                    <a:pt x="6997" y="1727"/>
-                    <a:pt x="6940" y="1727"/>
-                  </a:cubicBezTo>
-                  <a:cubicBezTo>
-                    <a:pt x="6894" y="1727"/>
-                    <a:pt x="6848" y="1743"/>
-                    <a:pt x="6811" y="1774"/>
-                  </a:cubicBezTo>
-                  <a:cubicBezTo>
-                    <a:pt x="6752" y="1834"/>
-                    <a:pt x="6752" y="1917"/>
-                    <a:pt x="6787" y="1977"/>
-                  </a:cubicBezTo>
-                  <a:cubicBezTo>
-                    <a:pt x="7133" y="2513"/>
-                    <a:pt x="7323" y="3156"/>
-                    <a:pt x="7323" y="3846"/>
-                  </a:cubicBezTo>
-                  <a:cubicBezTo>
-                    <a:pt x="7323" y="5763"/>
-                    <a:pt x="5764" y="7323"/>
-                    <a:pt x="3835" y="7323"/>
-                  </a:cubicBezTo>
-                  <a:cubicBezTo>
-                    <a:pt x="2989" y="7323"/>
-                    <a:pt x="2168" y="7013"/>
-                    <a:pt x="1537" y="6442"/>
-                  </a:cubicBezTo>
-                  <a:cubicBezTo>
-                    <a:pt x="1501" y="6418"/>
-                    <a:pt x="1453" y="6406"/>
-                    <a:pt x="1418" y="6406"/>
-                  </a:cubicBezTo>
-                  <a:lnTo>
-                    <a:pt x="430" y="6406"/>
-                  </a:lnTo>
-                  <a:lnTo>
-                    <a:pt x="763" y="5596"/>
-                  </a:lnTo>
-                  <a:cubicBezTo>
-                    <a:pt x="775" y="5549"/>
-                    <a:pt x="775" y="5489"/>
-                    <a:pt x="763" y="5453"/>
-                  </a:cubicBezTo>
-                  <a:cubicBezTo>
-                    <a:pt x="489" y="4953"/>
-                    <a:pt x="358" y="4394"/>
-                    <a:pt x="358" y="3822"/>
-                  </a:cubicBezTo>
-                  <a:cubicBezTo>
-                    <a:pt x="358" y="1905"/>
-                    <a:pt x="1918" y="346"/>
-                    <a:pt x="3835" y="346"/>
-                  </a:cubicBezTo>
-                  <a:cubicBezTo>
-                    <a:pt x="4787" y="346"/>
-                    <a:pt x="5656" y="727"/>
-                    <a:pt x="6276" y="1346"/>
-                  </a:cubicBezTo>
-                  <a:cubicBezTo>
-                    <a:pt x="6305" y="1376"/>
-                    <a:pt x="6350" y="1390"/>
-                    <a:pt x="6395" y="1390"/>
-                  </a:cubicBezTo>
-                  <a:cubicBezTo>
-                    <a:pt x="6439" y="1390"/>
-                    <a:pt x="6484" y="1376"/>
-                    <a:pt x="6514" y="1346"/>
-                  </a:cubicBezTo>
-                  <a:cubicBezTo>
-                    <a:pt x="6573" y="1262"/>
-                    <a:pt x="6573" y="1167"/>
-                    <a:pt x="6514" y="1108"/>
-                  </a:cubicBezTo>
-                  <a:cubicBezTo>
-                    <a:pt x="5835" y="417"/>
-                    <a:pt x="4882" y="0"/>
-                    <a:pt x="3835" y="0"/>
-                  </a:cubicBezTo>
-                  <a:close/>
-                </a:path>
-              </a:pathLst>
-            </a:custGeom>
-            <a:solidFill>
-              <a:schemeClr val="lt1"/>
-            </a:solidFill>
-            <a:ln>
-              <a:noFill/>
-            </a:ln>
-          </p:spPr>
-          <p:txBody>
-            <a:bodyPr spcFirstLastPara="1" wrap="square" lIns="91425" tIns="91425" rIns="91425" bIns="91425" anchor="ctr" anchorCtr="0">
-              <a:noAutofit/>
-            </a:bodyPr>
-            <a:lstStyle/>
-            <a:p>
-              <a:pPr marL="0" lvl="0" indent="0" algn="l" rtl="0">
-                <a:spcBef>
-                  <a:spcPts val="0"/>
-                </a:spcBef>
-                <a:spcAft>
-                  <a:spcPts val="0"/>
-                </a:spcAft>
-                <a:buNone/>
-              </a:pPr>
-              <a:endParaRPr dirty="0"/>
-            </a:p>
-          </p:txBody>
-        </p:sp>
-        <p:sp>
-          <p:nvSpPr>
-            <p:cNvPr id="1702" name="Google Shape;1702;p49"/>
-            <p:cNvSpPr/>
-            <p:nvPr/>
-          </p:nvSpPr>
-          <p:spPr>
-            <a:xfrm>
-              <a:off x="4749464" y="3911534"/>
-              <a:ext cx="153134" cy="151065"/>
-            </a:xfrm>
-            <a:custGeom>
-              <a:avLst/>
-              <a:gdLst/>
-              <a:ahLst/>
-              <a:cxnLst/>
-              <a:rect l="l" t="t" r="r" b="b"/>
-              <a:pathLst>
-                <a:path w="4811" h="4746" extrusionOk="0">
-                  <a:moveTo>
-                    <a:pt x="1384" y="0"/>
-                  </a:moveTo>
-                  <a:cubicBezTo>
-                    <a:pt x="1342" y="0"/>
-                    <a:pt x="1304" y="18"/>
-                    <a:pt x="1274" y="54"/>
-                  </a:cubicBezTo>
-                  <a:lnTo>
-                    <a:pt x="274" y="1054"/>
-                  </a:lnTo>
-                  <a:cubicBezTo>
-                    <a:pt x="36" y="1292"/>
-                    <a:pt x="0" y="1661"/>
-                    <a:pt x="202" y="1935"/>
-                  </a:cubicBezTo>
-                  <a:cubicBezTo>
-                    <a:pt x="619" y="2495"/>
-                    <a:pt x="1072" y="3031"/>
-                    <a:pt x="1572" y="3531"/>
-                  </a:cubicBezTo>
-                  <a:cubicBezTo>
-                    <a:pt x="1601" y="3560"/>
-                    <a:pt x="1646" y="3575"/>
-                    <a:pt x="1691" y="3575"/>
-                  </a:cubicBezTo>
-                  <a:cubicBezTo>
-                    <a:pt x="1735" y="3575"/>
-                    <a:pt x="1780" y="3560"/>
-                    <a:pt x="1810" y="3531"/>
-                  </a:cubicBezTo>
-                  <a:cubicBezTo>
-                    <a:pt x="1881" y="3447"/>
-                    <a:pt x="1869" y="3352"/>
-                    <a:pt x="1810" y="3293"/>
-                  </a:cubicBezTo>
-                  <a:cubicBezTo>
-                    <a:pt x="1310" y="2816"/>
-                    <a:pt x="869" y="2304"/>
-                    <a:pt x="464" y="1745"/>
-                  </a:cubicBezTo>
-                  <a:cubicBezTo>
-                    <a:pt x="381" y="1602"/>
-                    <a:pt x="393" y="1423"/>
-                    <a:pt x="500" y="1304"/>
-                  </a:cubicBezTo>
-                  <a:lnTo>
-                    <a:pt x="1369" y="435"/>
-                  </a:lnTo>
-                  <a:lnTo>
-                    <a:pt x="2107" y="1161"/>
-                  </a:lnTo>
-                  <a:lnTo>
-                    <a:pt x="1750" y="1518"/>
-                  </a:lnTo>
-                  <a:cubicBezTo>
-                    <a:pt x="1703" y="1566"/>
-                    <a:pt x="1691" y="1638"/>
-                    <a:pt x="1703" y="1697"/>
-                  </a:cubicBezTo>
-                  <a:cubicBezTo>
-                    <a:pt x="1941" y="2400"/>
-                    <a:pt x="2405" y="2876"/>
-                    <a:pt x="3096" y="3090"/>
-                  </a:cubicBezTo>
-                  <a:cubicBezTo>
-                    <a:pt x="3112" y="3097"/>
-                    <a:pt x="3131" y="3100"/>
-                    <a:pt x="3150" y="3100"/>
-                  </a:cubicBezTo>
-                  <a:cubicBezTo>
-                    <a:pt x="3198" y="3100"/>
-                    <a:pt x="3248" y="3080"/>
-                    <a:pt x="3274" y="3054"/>
-                  </a:cubicBezTo>
-                  <a:lnTo>
-                    <a:pt x="3631" y="2697"/>
-                  </a:lnTo>
-                  <a:lnTo>
-                    <a:pt x="4370" y="3423"/>
-                  </a:lnTo>
-                  <a:lnTo>
-                    <a:pt x="3489" y="4305"/>
-                  </a:lnTo>
-                  <a:cubicBezTo>
-                    <a:pt x="3424" y="4369"/>
-                    <a:pt x="3343" y="4402"/>
-                    <a:pt x="3261" y="4402"/>
-                  </a:cubicBezTo>
-                  <a:cubicBezTo>
-                    <a:pt x="3191" y="4402"/>
-                    <a:pt x="3120" y="4378"/>
-                    <a:pt x="3060" y="4328"/>
-                  </a:cubicBezTo>
-                  <a:cubicBezTo>
-                    <a:pt x="2834" y="4162"/>
-                    <a:pt x="2607" y="4007"/>
-                    <a:pt x="2405" y="3828"/>
-                  </a:cubicBezTo>
-                  <a:cubicBezTo>
-                    <a:pt x="2368" y="3801"/>
-                    <a:pt x="2330" y="3789"/>
-                    <a:pt x="2295" y="3789"/>
-                  </a:cubicBezTo>
-                  <a:cubicBezTo>
-                    <a:pt x="2251" y="3789"/>
-                    <a:pt x="2212" y="3807"/>
-                    <a:pt x="2179" y="3840"/>
-                  </a:cubicBezTo>
-                  <a:cubicBezTo>
-                    <a:pt x="2107" y="3912"/>
-                    <a:pt x="2119" y="4031"/>
-                    <a:pt x="2191" y="4090"/>
-                  </a:cubicBezTo>
-                  <a:cubicBezTo>
-                    <a:pt x="2417" y="4269"/>
-                    <a:pt x="2643" y="4447"/>
-                    <a:pt x="2858" y="4614"/>
-                  </a:cubicBezTo>
-                  <a:cubicBezTo>
-                    <a:pt x="2977" y="4697"/>
-                    <a:pt x="3119" y="4745"/>
-                    <a:pt x="3250" y="4745"/>
-                  </a:cubicBezTo>
-                  <a:cubicBezTo>
-                    <a:pt x="3429" y="4745"/>
-                    <a:pt x="3596" y="4674"/>
-                    <a:pt x="3727" y="4555"/>
-                  </a:cubicBezTo>
-                  <a:lnTo>
-                    <a:pt x="4727" y="3554"/>
-                  </a:lnTo>
-                  <a:cubicBezTo>
-                    <a:pt x="4798" y="3495"/>
-                    <a:pt x="4810" y="3423"/>
-                    <a:pt x="4786" y="3352"/>
-                  </a:cubicBezTo>
-                  <a:cubicBezTo>
-                    <a:pt x="4763" y="3328"/>
-                    <a:pt x="4751" y="3304"/>
-                    <a:pt x="4739" y="3293"/>
-                  </a:cubicBezTo>
-                  <a:lnTo>
-                    <a:pt x="3774" y="2316"/>
-                  </a:lnTo>
-                  <a:cubicBezTo>
-                    <a:pt x="3733" y="2280"/>
-                    <a:pt x="3688" y="2263"/>
-                    <a:pt x="3646" y="2263"/>
-                  </a:cubicBezTo>
-                  <a:cubicBezTo>
-                    <a:pt x="3605" y="2263"/>
-                    <a:pt x="3566" y="2280"/>
-                    <a:pt x="3536" y="2316"/>
-                  </a:cubicBezTo>
-                  <a:lnTo>
-                    <a:pt x="3131" y="2721"/>
-                  </a:lnTo>
-                  <a:cubicBezTo>
-                    <a:pt x="2619" y="2531"/>
-                    <a:pt x="2286" y="2185"/>
-                    <a:pt x="2072" y="1661"/>
-                  </a:cubicBezTo>
-                  <a:lnTo>
-                    <a:pt x="2477" y="1268"/>
-                  </a:lnTo>
-                  <a:cubicBezTo>
-                    <a:pt x="2548" y="1185"/>
-                    <a:pt x="2548" y="1090"/>
-                    <a:pt x="2477" y="1030"/>
-                  </a:cubicBezTo>
-                  <a:lnTo>
-                    <a:pt x="1512" y="54"/>
-                  </a:lnTo>
-                  <a:cubicBezTo>
-                    <a:pt x="1470" y="18"/>
-                    <a:pt x="1426" y="0"/>
-                    <a:pt x="1384" y="0"/>
-                  </a:cubicBezTo>
-                  <a:close/>
-                </a:path>
-              </a:pathLst>
-            </a:custGeom>
-            <a:solidFill>
-              <a:schemeClr val="lt1"/>
-            </a:solidFill>
-            <a:ln>
-              <a:noFill/>
-            </a:ln>
-          </p:spPr>
-          <p:txBody>
-            <a:bodyPr spcFirstLastPara="1" wrap="square" lIns="91425" tIns="91425" rIns="91425" bIns="91425" anchor="ctr" anchorCtr="0">
-              <a:noAutofit/>
-            </a:bodyPr>
-            <a:lstStyle/>
-            <a:p>
-              <a:pPr marL="0" lvl="0" indent="0" algn="l" rtl="0">
-                <a:spcBef>
-                  <a:spcPts val="0"/>
-                </a:spcBef>
-                <a:spcAft>
-                  <a:spcPts val="0"/>
-                </a:spcAft>
-                <a:buNone/>
-              </a:pPr>
-              <a:endParaRPr dirty="0"/>
-            </a:p>
-          </p:txBody>
-        </p:sp>
-      </p:grpSp>
     </p:spTree>
   </p:cSld>
   <p:clrMapOvr>

--- a/Report/Presentation.pptx
+++ b/Report/Presentation.pptx
@@ -4901,7 +4901,114 @@
               </a:spcAft>
               <a:buNone/>
             </a:pPr>
-            <a:endParaRPr dirty="0"/>
+            <a:r>
+              <a:rPr lang="el-GR" dirty="0"/>
+              <a:t>Τα </a:t>
+            </a:r>
+            <a:r>
+              <a:rPr lang="en-US" dirty="0"/>
+              <a:t>utilizations </a:t>
+            </a:r>
+            <a:r>
+              <a:rPr lang="el-GR" dirty="0"/>
+              <a:t>βγήκαν κατευθείαν από τα </a:t>
+            </a:r>
+            <a:r>
+              <a:rPr lang="en-US" dirty="0"/>
+              <a:t>Post-implementation reports </a:t>
+            </a:r>
+            <a:r>
+              <a:rPr lang="el-GR" dirty="0"/>
+              <a:t>του </a:t>
+            </a:r>
+            <a:r>
+              <a:rPr lang="en-US" dirty="0"/>
+              <a:t>Vivado.</a:t>
+            </a:r>
+          </a:p>
+          <a:p>
+            <a:pPr marL="0" lvl="0" indent="0" algn="l" rtl="0">
+              <a:spcBef>
+                <a:spcPts val="0"/>
+              </a:spcBef>
+              <a:spcAft>
+                <a:spcPts val="0"/>
+              </a:spcAft>
+              <a:buNone/>
+            </a:pPr>
+            <a:r>
+              <a:rPr lang="el-GR" dirty="0"/>
+              <a:t>Για τα </a:t>
+            </a:r>
+            <a:r>
+              <a:rPr lang="en-US" dirty="0"/>
+              <a:t>SNR, </a:t>
+            </a:r>
+            <a:r>
+              <a:rPr lang="el-GR" dirty="0"/>
+              <a:t>είχα την κανονική έξοδο του φίλτρου και την</a:t>
+            </a:r>
+            <a:r>
+              <a:rPr lang="en-US" dirty="0"/>
+              <a:t> expected </a:t>
+            </a:r>
+            <a:r>
+              <a:rPr lang="el-GR" dirty="0"/>
+              <a:t>και μέσω </a:t>
+            </a:r>
+            <a:r>
+              <a:rPr lang="en-US" dirty="0"/>
+              <a:t>MATLAB</a:t>
+            </a:r>
+            <a:r>
+              <a:rPr lang="el-GR" dirty="0"/>
+              <a:t> υπολογίστηκαν.</a:t>
+            </a:r>
+            <a:endParaRPr lang="en-US" dirty="0"/>
+          </a:p>
+          <a:p>
+            <a:pPr marL="0" lvl="0" indent="0" algn="l" rtl="0">
+              <a:spcBef>
+                <a:spcPts val="0"/>
+              </a:spcBef>
+              <a:spcAft>
+                <a:spcPts val="0"/>
+              </a:spcAft>
+              <a:buNone/>
+            </a:pPr>
+            <a:r>
+              <a:rPr lang="el-GR" dirty="0"/>
+              <a:t>Τα  </a:t>
+            </a:r>
+            <a:r>
+              <a:rPr lang="en-US" dirty="0"/>
+              <a:t>latencies per sample </a:t>
+            </a:r>
+            <a:r>
+              <a:rPr lang="el-GR" dirty="0"/>
+              <a:t>έβγαιναν από το </a:t>
+            </a:r>
+            <a:r>
+              <a:rPr lang="en-US" dirty="0"/>
+              <a:t>MATLAB HDL</a:t>
+            </a:r>
+            <a:endParaRPr lang="el-GR" dirty="0"/>
+          </a:p>
+          <a:p>
+            <a:pPr marL="0" lvl="0" indent="0" algn="l" rtl="0">
+              <a:spcBef>
+                <a:spcPts val="0"/>
+              </a:spcBef>
+              <a:spcAft>
+                <a:spcPts val="0"/>
+              </a:spcAft>
+              <a:buNone/>
+            </a:pPr>
+            <a:r>
+              <a:rPr lang="en-US" dirty="0"/>
+              <a:t>Exec. Time = (Latency per sample)*(Number of Samples)/(Clock Frequency) </a:t>
+            </a:r>
+            <a:endParaRPr lang="el-GR" dirty="0"/>
           </a:p>
         </p:txBody>
       </p:sp>
@@ -36001,6 +36108,18 @@
   <p:clrMapOvr>
     <a:masterClrMapping/>
   </p:clrMapOvr>
+  <mc:AlternateContent xmlns:mc="http://schemas.openxmlformats.org/markup-compatibility/2006">
+    <mc:Choice xmlns:p159="http://schemas.microsoft.com/office/powerpoint/2015/09/main" Requires="p159">
+      <p:transition xmlns:p14="http://schemas.microsoft.com/office/powerpoint/2010/main" spd="slow" p14:dur="2000">
+        <p159:morph option="byObject"/>
+      </p:transition>
+    </mc:Choice>
+    <mc:Fallback>
+      <p:transition spd="slow">
+        <p:fade/>
+      </p:transition>
+    </mc:Fallback>
+  </mc:AlternateContent>
 </p:sld>
 </file>
 
@@ -36408,6 +36527,18 @@
   <p:clrMapOvr>
     <a:masterClrMapping/>
   </p:clrMapOvr>
+  <mc:AlternateContent xmlns:mc="http://schemas.openxmlformats.org/markup-compatibility/2006">
+    <mc:Choice xmlns:p159="http://schemas.microsoft.com/office/powerpoint/2015/09/main" Requires="p159">
+      <p:transition xmlns:p14="http://schemas.microsoft.com/office/powerpoint/2010/main" spd="slow" p14:dur="2000">
+        <p159:morph option="byObject"/>
+      </p:transition>
+    </mc:Choice>
+    <mc:Fallback>
+      <p:transition spd="slow">
+        <p:fade/>
+      </p:transition>
+    </mc:Fallback>
+  </mc:AlternateContent>
 </p:sld>
 </file>
 
@@ -36777,6 +36908,18 @@
   <p:clrMapOvr>
     <a:masterClrMapping/>
   </p:clrMapOvr>
+  <mc:AlternateContent xmlns:mc="http://schemas.openxmlformats.org/markup-compatibility/2006">
+    <mc:Choice xmlns:p159="http://schemas.microsoft.com/office/powerpoint/2015/09/main" Requires="p159">
+      <p:transition xmlns:p14="http://schemas.microsoft.com/office/powerpoint/2010/main" spd="slow" p14:dur="2000">
+        <p159:morph option="byObject"/>
+      </p:transition>
+    </mc:Choice>
+    <mc:Fallback>
+      <p:transition spd="slow">
+        <p:fade/>
+      </p:transition>
+    </mc:Fallback>
+  </mc:AlternateContent>
 </p:sld>
 </file>
 
@@ -37192,6 +37335,18 @@
   <p:clrMapOvr>
     <a:masterClrMapping/>
   </p:clrMapOvr>
+  <mc:AlternateContent xmlns:mc="http://schemas.openxmlformats.org/markup-compatibility/2006">
+    <mc:Choice xmlns:p159="http://schemas.microsoft.com/office/powerpoint/2015/09/main" Requires="p159">
+      <p:transition xmlns:p14="http://schemas.microsoft.com/office/powerpoint/2010/main" spd="slow" p14:dur="2000">
+        <p159:morph option="byObject"/>
+      </p:transition>
+    </mc:Choice>
+    <mc:Fallback>
+      <p:transition spd="slow">
+        <p:fade/>
+      </p:transition>
+    </mc:Fallback>
+  </mc:AlternateContent>
 </p:sld>
 </file>
 
@@ -37561,6 +37716,18 @@
   <p:clrMapOvr>
     <a:masterClrMapping/>
   </p:clrMapOvr>
+  <mc:AlternateContent xmlns:mc="http://schemas.openxmlformats.org/markup-compatibility/2006">
+    <mc:Choice xmlns:p159="http://schemas.microsoft.com/office/powerpoint/2015/09/main" Requires="p159">
+      <p:transition xmlns:p14="http://schemas.microsoft.com/office/powerpoint/2010/main" spd="slow" p14:dur="2000">
+        <p159:morph option="byObject"/>
+      </p:transition>
+    </mc:Choice>
+    <mc:Fallback>
+      <p:transition spd="slow">
+        <p:fade/>
+      </p:transition>
+    </mc:Fallback>
+  </mc:AlternateContent>
 </p:sld>
 </file>
 
@@ -38012,6 +38179,18 @@
   <p:clrMapOvr>
     <a:masterClrMapping/>
   </p:clrMapOvr>
+  <mc:AlternateContent xmlns:mc="http://schemas.openxmlformats.org/markup-compatibility/2006">
+    <mc:Choice xmlns:p159="http://schemas.microsoft.com/office/powerpoint/2015/09/main" Requires="p159">
+      <p:transition xmlns:p14="http://schemas.microsoft.com/office/powerpoint/2010/main" spd="slow" p14:dur="2000">
+        <p159:morph option="byObject"/>
+      </p:transition>
+    </mc:Choice>
+    <mc:Fallback>
+      <p:transition spd="slow">
+        <p:fade/>
+      </p:transition>
+    </mc:Fallback>
+  </mc:AlternateContent>
 </p:sld>
 </file>
 
@@ -38151,7 +38330,9 @@
               </a:ext>
             </a:extLst>
           </p:cNvPr>
-          <p:cNvSpPr/>
+          <p:cNvSpPr>
+            <a:spLocks noGrp="1" noRot="1" noMove="1" noResize="1" noEditPoints="1" noAdjustHandles="1" noChangeArrowheads="1" noChangeShapeType="1"/>
+          </p:cNvSpPr>
           <p:nvPr/>
         </p:nvSpPr>
         <p:spPr>
@@ -38201,6 +38382,18 @@
   <p:clrMapOvr>
     <a:masterClrMapping/>
   </p:clrMapOvr>
+  <mc:AlternateContent xmlns:mc="http://schemas.openxmlformats.org/markup-compatibility/2006">
+    <mc:Choice xmlns:p14="http://schemas.microsoft.com/office/powerpoint/2010/main" Requires="p14">
+      <p:transition spd="med" p14:dur="700">
+        <p:fade/>
+      </p:transition>
+    </mc:Choice>
+    <mc:Fallback>
+      <p:transition spd="med">
+        <p:fade/>
+      </p:transition>
+    </mc:Fallback>
+  </mc:AlternateContent>
 </p:sld>
 </file>
 
@@ -39345,6 +39538,18 @@
   <p:clrMapOvr>
     <a:masterClrMapping/>
   </p:clrMapOvr>
+  <mc:AlternateContent xmlns:mc="http://schemas.openxmlformats.org/markup-compatibility/2006">
+    <mc:Choice xmlns:p159="http://schemas.microsoft.com/office/powerpoint/2015/09/main" Requires="p159">
+      <p:transition xmlns:p14="http://schemas.microsoft.com/office/powerpoint/2010/main" spd="slow" p14:dur="2000">
+        <p159:morph option="byObject"/>
+      </p:transition>
+    </mc:Choice>
+    <mc:Fallback>
+      <p:transition spd="slow">
+        <p:fade/>
+      </p:transition>
+    </mc:Fallback>
+  </mc:AlternateContent>
 </p:sld>
 </file>
 
@@ -41698,6 +41903,18 @@
   <p:clrMapOvr>
     <a:masterClrMapping/>
   </p:clrMapOvr>
+  <mc:AlternateContent xmlns:mc="http://schemas.openxmlformats.org/markup-compatibility/2006">
+    <mc:Choice xmlns:p159="http://schemas.microsoft.com/office/powerpoint/2015/09/main" Requires="p159">
+      <p:transition xmlns:p14="http://schemas.microsoft.com/office/powerpoint/2010/main" spd="slow" p14:dur="2000">
+        <p159:morph option="byObject"/>
+      </p:transition>
+    </mc:Choice>
+    <mc:Fallback>
+      <p:transition spd="slow">
+        <p:fade/>
+      </p:transition>
+    </mc:Fallback>
+  </mc:AlternateContent>
 </p:sld>
 </file>
 
@@ -44370,6 +44587,18 @@
   <p:clrMapOvr>
     <a:masterClrMapping/>
   </p:clrMapOvr>
+  <mc:AlternateContent xmlns:mc="http://schemas.openxmlformats.org/markup-compatibility/2006">
+    <mc:Choice xmlns:p159="http://schemas.microsoft.com/office/powerpoint/2015/09/main" Requires="p159">
+      <p:transition xmlns:p14="http://schemas.microsoft.com/office/powerpoint/2010/main" spd="slow" p14:dur="2000">
+        <p159:morph option="byObject"/>
+      </p:transition>
+    </mc:Choice>
+    <mc:Fallback>
+      <p:transition spd="slow">
+        <p:fade/>
+      </p:transition>
+    </mc:Fallback>
+  </mc:AlternateContent>
 </p:sld>
 </file>
 
@@ -46700,7 +46929,7 @@
                 </a:solidFill>
                 <a:latin typeface="Montserrat" panose="00000500000000000000" pitchFamily="2" charset="0"/>
               </a:rPr>
-              <a:t>Operate in CLI in contrast to </a:t>
+              <a:t>Operates in CLI in contrast to </a:t>
             </a:r>
             <a:r>
               <a:rPr lang="en-US" dirty="0">
@@ -46796,6 +47025,18 @@
   <p:clrMapOvr>
     <a:masterClrMapping/>
   </p:clrMapOvr>
+  <mc:AlternateContent xmlns:mc="http://schemas.openxmlformats.org/markup-compatibility/2006">
+    <mc:Choice xmlns:p159="http://schemas.microsoft.com/office/powerpoint/2015/09/main" Requires="p159">
+      <p:transition xmlns:p14="http://schemas.microsoft.com/office/powerpoint/2010/main" spd="slow" p14:dur="2000">
+        <p159:morph option="byObject"/>
+      </p:transition>
+    </mc:Choice>
+    <mc:Fallback>
+      <p:transition spd="slow">
+        <p:fade/>
+      </p:transition>
+    </mc:Fallback>
+  </mc:AlternateContent>
 </p:sld>
 </file>
 
@@ -49291,6 +49532,18 @@
   <p:clrMapOvr>
     <a:masterClrMapping/>
   </p:clrMapOvr>
+  <mc:AlternateContent xmlns:mc="http://schemas.openxmlformats.org/markup-compatibility/2006">
+    <mc:Choice xmlns:p159="http://schemas.microsoft.com/office/powerpoint/2015/09/main" Requires="p159">
+      <p:transition xmlns:p14="http://schemas.microsoft.com/office/powerpoint/2010/main" spd="slow" p14:dur="2000">
+        <p159:morph option="byObject"/>
+      </p:transition>
+    </mc:Choice>
+    <mc:Fallback>
+      <p:transition spd="slow">
+        <p:fade/>
+      </p:transition>
+    </mc:Fallback>
+  </mc:AlternateContent>
 </p:sld>
 </file>
 
@@ -49901,6 +50154,18 @@
   <p:clrMapOvr>
     <a:masterClrMapping/>
   </p:clrMapOvr>
+  <mc:AlternateContent xmlns:mc="http://schemas.openxmlformats.org/markup-compatibility/2006">
+    <mc:Choice xmlns:p159="http://schemas.microsoft.com/office/powerpoint/2015/09/main" Requires="p159">
+      <p:transition xmlns:p14="http://schemas.microsoft.com/office/powerpoint/2010/main" spd="slow" p14:dur="2000">
+        <p159:morph option="byObject"/>
+      </p:transition>
+    </mc:Choice>
+    <mc:Fallback>
+      <p:transition spd="slow">
+        <p:fade/>
+      </p:transition>
+    </mc:Fallback>
+  </mc:AlternateContent>
 </p:sld>
 </file>
 
@@ -51104,6 +51369,18 @@
   <p:clrMapOvr>
     <a:masterClrMapping/>
   </p:clrMapOvr>
+  <mc:AlternateContent xmlns:mc="http://schemas.openxmlformats.org/markup-compatibility/2006">
+    <mc:Choice xmlns:p159="http://schemas.microsoft.com/office/powerpoint/2015/09/main" Requires="p159">
+      <p:transition xmlns:p14="http://schemas.microsoft.com/office/powerpoint/2010/main" spd="slow" p14:dur="2000">
+        <p159:morph option="byObject"/>
+      </p:transition>
+    </mc:Choice>
+    <mc:Fallback>
+      <p:transition spd="slow">
+        <p:fade/>
+      </p:transition>
+    </mc:Fallback>
+  </mc:AlternateContent>
 </p:sld>
 </file>
 
@@ -51467,6 +51744,18 @@
   <p:clrMapOvr>
     <a:masterClrMapping/>
   </p:clrMapOvr>
+  <mc:AlternateContent xmlns:mc="http://schemas.openxmlformats.org/markup-compatibility/2006">
+    <mc:Choice xmlns:p159="http://schemas.microsoft.com/office/powerpoint/2015/09/main" Requires="p159">
+      <p:transition xmlns:p14="http://schemas.microsoft.com/office/powerpoint/2010/main" spd="slow" p14:dur="2000">
+        <p159:morph option="byObject"/>
+      </p:transition>
+    </mc:Choice>
+    <mc:Fallback>
+      <p:transition spd="slow">
+        <p:fade/>
+      </p:transition>
+    </mc:Fallback>
+  </mc:AlternateContent>
 </p:sld>
 </file>
 
